--- a/Angol/Eatingout_MB_PZS_SZR.pptx
+++ b/Angol/Eatingout_MB_PZS_SZR.pptx
@@ -5,19 +5,17 @@
     <p:sldMasterId id="2147483648" r:id="rId1"/>
   </p:sldMasterIdLst>
   <p:notesMasterIdLst>
-    <p:notesMasterId r:id="rId9"/>
+    <p:notesMasterId r:id="rId7"/>
   </p:notesMasterIdLst>
   <p:handoutMasterIdLst>
-    <p:handoutMasterId r:id="rId10"/>
+    <p:handoutMasterId r:id="rId8"/>
   </p:handoutMasterIdLst>
   <p:sldIdLst>
-    <p:sldId id="256" r:id="rId2"/>
-    <p:sldId id="257" r:id="rId3"/>
-    <p:sldId id="259" r:id="rId4"/>
-    <p:sldId id="262" r:id="rId5"/>
-    <p:sldId id="261" r:id="rId6"/>
-    <p:sldId id="263" r:id="rId7"/>
-    <p:sldId id="264" r:id="rId8"/>
+    <p:sldId id="257" r:id="rId2"/>
+    <p:sldId id="259" r:id="rId3"/>
+    <p:sldId id="262" r:id="rId4"/>
+    <p:sldId id="261" r:id="rId5"/>
+    <p:sldId id="263" r:id="rId6"/>
   </p:sldIdLst>
   <p:sldSz cx="12192000" cy="6858000"/>
   <p:notesSz cx="6858000" cy="9144000"/>
@@ -230,7 +228,7 @@
           <a:p>
             <a:fld id="{4899B193-0C51-4BE5-8F71-FFF6FE9C94E0}" type="datetime1">
               <a:rPr lang="hu-HU" smtClean="0"/>
-              <a:t>2024. 02. 06.</a:t>
+              <a:t>2024. 04. 09.</a:t>
             </a:fld>
             <a:endParaRPr lang="hu-HU" dirty="0"/>
           </a:p>
@@ -408,7 +406,7 @@
             <a:fld id="{39B2CC17-50A4-419C-8568-440448B03130}" type="datetime1">
               <a:rPr lang="hu-HU" smtClean="0"/>
               <a:pPr/>
-              <a:t>2024. 02. 06.</a:t>
+              <a:t>2024. 04. 09.</a:t>
             </a:fld>
             <a:endParaRPr lang="hu-HU" dirty="0"/>
           </a:p>
@@ -675,90 +673,6 @@
 </p:notesMaster>
 </file>
 
-<file path=ppt/notesSlides/notesSlide1.xml><?xml version="1.0" encoding="utf-8"?>
-<p:notes xmlns:a="http://schemas.openxmlformats.org/drawingml/2006/main" xmlns:r="http://schemas.openxmlformats.org/officeDocument/2006/relationships" xmlns:p="http://schemas.openxmlformats.org/presentationml/2006/main">
-  <p:cSld>
-    <p:spTree>
-      <p:nvGrpSpPr>
-        <p:cNvPr id="1" name=""/>
-        <p:cNvGrpSpPr/>
-        <p:nvPr/>
-      </p:nvGrpSpPr>
-      <p:grpSpPr>
-        <a:xfrm>
-          <a:off x="0" y="0"/>
-          <a:ext cx="0" cy="0"/>
-          <a:chOff x="0" y="0"/>
-          <a:chExt cx="0" cy="0"/>
-        </a:xfrm>
-      </p:grpSpPr>
-      <p:sp>
-        <p:nvSpPr>
-          <p:cNvPr id="2" name="Diakép helye 1"/>
-          <p:cNvSpPr>
-            <a:spLocks noGrp="1" noRot="1" noChangeAspect="1"/>
-          </p:cNvSpPr>
-          <p:nvPr>
-            <p:ph type="sldImg"/>
-          </p:nvPr>
-        </p:nvSpPr>
-        <p:spPr/>
-      </p:sp>
-      <p:sp>
-        <p:nvSpPr>
-          <p:cNvPr id="3" name="Jegyzetek helye 2"/>
-          <p:cNvSpPr>
-            <a:spLocks noGrp="1"/>
-          </p:cNvSpPr>
-          <p:nvPr>
-            <p:ph type="body" idx="1"/>
-          </p:nvPr>
-        </p:nvSpPr>
-        <p:spPr/>
-        <p:txBody>
-          <a:bodyPr/>
-          <a:lstStyle/>
-          <a:p>
-            <a:endParaRPr lang="hu-HU"/>
-          </a:p>
-        </p:txBody>
-      </p:sp>
-      <p:sp>
-        <p:nvSpPr>
-          <p:cNvPr id="4" name="Dia számának helye 3"/>
-          <p:cNvSpPr>
-            <a:spLocks noGrp="1"/>
-          </p:cNvSpPr>
-          <p:nvPr>
-            <p:ph type="sldNum" sz="quarter" idx="5"/>
-          </p:nvPr>
-        </p:nvSpPr>
-        <p:spPr/>
-        <p:txBody>
-          <a:bodyPr/>
-          <a:lstStyle/>
-          <a:p>
-            <a:fld id="{D3CB43C5-FEFA-49C6-8560-B9B2A3B326A1}" type="slidenum">
-              <a:rPr lang="hu-HU" smtClean="0"/>
-              <a:t>1</a:t>
-            </a:fld>
-            <a:endParaRPr lang="hu-HU"/>
-          </a:p>
-        </p:txBody>
-      </p:sp>
-    </p:spTree>
-    <p:extLst>
-      <p:ext uri="{BB962C8B-B14F-4D97-AF65-F5344CB8AC3E}">
-        <p14:creationId xmlns:p14="http://schemas.microsoft.com/office/powerpoint/2010/main" val="3882687340"/>
-      </p:ext>
-    </p:extLst>
-  </p:cSld>
-  <p:clrMapOvr>
-    <a:masterClrMapping/>
-  </p:clrMapOvr>
-</p:notes>
-</file>
-
 <file path=ppt/slideLayouts/slideLayout1.xml><?xml version="1.0" encoding="utf-8"?>
 <p:sldLayout xmlns:a="http://schemas.openxmlformats.org/drawingml/2006/main" xmlns:r="http://schemas.openxmlformats.org/officeDocument/2006/relationships" xmlns:p="http://schemas.openxmlformats.org/presentationml/2006/main" showMasterSp="0" type="title" preserve="1">
   <p:cSld name="Címdia">
@@ -929,7 +843,7 @@
             <a:pPr rtl="0"/>
             <a:fld id="{9C3A47C7-4D5D-4BB9-88E9-76FB11B1B185}" type="datetime1">
               <a:rPr lang="hu-HU" noProof="0" smtClean="0"/>
-              <a:t>2024. 02. 06.</a:t>
+              <a:t>2024. 04. 09.</a:t>
             </a:fld>
             <a:endParaRPr lang="hu-HU" noProof="0"/>
           </a:p>
@@ -1257,7 +1171,7 @@
             <a:pPr rtl="0"/>
             <a:fld id="{73448CDA-12B7-4A5C-97EC-D49500FB8D3C}" type="datetime1">
               <a:rPr lang="hu-HU" noProof="0" smtClean="0"/>
-              <a:t>2024. 02. 06.</a:t>
+              <a:t>2024. 04. 09.</a:t>
             </a:fld>
             <a:endParaRPr lang="hu-HU" noProof="0"/>
           </a:p>
@@ -1434,7 +1348,7 @@
             <a:pPr rtl="0"/>
             <a:fld id="{FA4522D8-6E2A-4F46-90CD-810560157381}" type="datetime1">
               <a:rPr lang="hu-HU" noProof="0" smtClean="0"/>
-              <a:t>2024. 02. 06.</a:t>
+              <a:t>2024. 04. 09.</a:t>
             </a:fld>
             <a:endParaRPr lang="hu-HU" noProof="0"/>
           </a:p>
@@ -1601,7 +1515,7 @@
             <a:pPr rtl="0"/>
             <a:fld id="{B8434A3F-C0EF-46C7-AD2A-26E9BF8F0659}" type="datetime1">
               <a:rPr lang="hu-HU" noProof="0" smtClean="0"/>
-              <a:t>2024. 02. 06.</a:t>
+              <a:t>2024. 04. 09.</a:t>
             </a:fld>
             <a:endParaRPr lang="hu-HU" noProof="0"/>
           </a:p>
@@ -1876,7 +1790,7 @@
             <a:pPr rtl="0"/>
             <a:fld id="{7753DE86-0617-421C-BF87-E3DEEBE86CCE}" type="datetime1">
               <a:rPr lang="hu-HU" noProof="0" smtClean="0"/>
-              <a:t>2024. 02. 06.</a:t>
+              <a:t>2024. 04. 09.</a:t>
             </a:fld>
             <a:endParaRPr lang="hu-HU" noProof="0"/>
           </a:p>
@@ -2267,7 +2181,7 @@
             <a:pPr rtl="0"/>
             <a:fld id="{44CF1AB2-012B-41A4-9D32-B1351ADB5355}" type="datetime1">
               <a:rPr lang="hu-HU" noProof="0" smtClean="0"/>
-              <a:t>2024. 02. 06.</a:t>
+              <a:t>2024. 04. 09.</a:t>
             </a:fld>
             <a:endParaRPr lang="hu-HU" noProof="0"/>
           </a:p>
@@ -2740,7 +2654,7 @@
             <a:pPr rtl="0"/>
             <a:fld id="{3C452249-8F22-4B35-BE34-A76549D30F4A}" type="datetime1">
               <a:rPr lang="hu-HU" noProof="0" smtClean="0"/>
-              <a:t>2024. 02. 06.</a:t>
+              <a:t>2024. 04. 09.</a:t>
             </a:fld>
             <a:endParaRPr lang="hu-HU" noProof="0"/>
           </a:p>
@@ -2856,7 +2770,7 @@
             <a:pPr rtl="0"/>
             <a:fld id="{65340C06-E1FD-4928-8179-FFC4E23F64C0}" type="datetime1">
               <a:rPr lang="hu-HU" noProof="0" smtClean="0"/>
-              <a:t>2024. 02. 06.</a:t>
+              <a:t>2024. 04. 09.</a:t>
             </a:fld>
             <a:endParaRPr lang="hu-HU" noProof="0"/>
           </a:p>
@@ -2949,7 +2863,7 @@
             <a:pPr rtl="0"/>
             <a:fld id="{85F1383B-29D1-4E3D-82D5-422A2360A287}" type="datetime1">
               <a:rPr lang="hu-HU" noProof="0" smtClean="0"/>
-              <a:t>2024. 02. 06.</a:t>
+              <a:t>2024. 04. 09.</a:t>
             </a:fld>
             <a:endParaRPr lang="hu-HU" noProof="0"/>
           </a:p>
@@ -3292,7 +3206,7 @@
             <a:pPr rtl="0"/>
             <a:fld id="{ABAADDF6-2C1D-4670-B189-D8FA051F509F}" type="datetime1">
               <a:rPr lang="hu-HU" noProof="0" smtClean="0"/>
-              <a:t>2024. 02. 06.</a:t>
+              <a:t>2024. 04. 09.</a:t>
             </a:fld>
             <a:endParaRPr lang="hu-HU" noProof="0"/>
           </a:p>
@@ -3679,7 +3593,7 @@
             <a:pPr rtl="0"/>
             <a:fld id="{E4F140AF-A9CA-4E5E-A6D4-BFB8883DEF54}" type="datetime1">
               <a:rPr lang="hu-HU" noProof="0" smtClean="0"/>
-              <a:t>2024. 02. 06.</a:t>
+              <a:t>2024. 04. 09.</a:t>
             </a:fld>
             <a:endParaRPr lang="hu-HU" noProof="0"/>
           </a:p>
@@ -3955,7 +3869,7 @@
             <a:pPr rtl="0"/>
             <a:fld id="{C3905ACB-ED0C-47FD-BDF4-A5046D93C7E9}" type="datetime1">
               <a:rPr lang="hu-HU" noProof="0" smtClean="0"/>
-              <a:t>2024. 02. 06.</a:t>
+              <a:t>2024. 04. 09.</a:t>
             </a:fld>
             <a:endParaRPr lang="hu-HU" noProof="0"/>
           </a:p>
@@ -4450,85 +4364,6 @@
 </file>
 
 <file path=ppt/slides/slide1.xml><?xml version="1.0" encoding="utf-8"?>
-<p:sld xmlns:a="http://schemas.openxmlformats.org/drawingml/2006/main" xmlns:r="http://schemas.openxmlformats.org/officeDocument/2006/relationships" xmlns:p="http://schemas.openxmlformats.org/presentationml/2006/main">
-  <p:cSld>
-    <p:spTree>
-      <p:nvGrpSpPr>
-        <p:cNvPr id="1" name=""/>
-        <p:cNvGrpSpPr/>
-        <p:nvPr/>
-      </p:nvGrpSpPr>
-      <p:grpSpPr>
-        <a:xfrm>
-          <a:off x="0" y="0"/>
-          <a:ext cx="0" cy="0"/>
-          <a:chOff x="0" y="0"/>
-          <a:chExt cx="0" cy="0"/>
-        </a:xfrm>
-      </p:grpSpPr>
-      <p:sp>
-        <p:nvSpPr>
-          <p:cNvPr id="2" name="Cím 1"/>
-          <p:cNvSpPr>
-            <a:spLocks noGrp="1"/>
-          </p:cNvSpPr>
-          <p:nvPr>
-            <p:ph type="ctrTitle"/>
-          </p:nvPr>
-        </p:nvSpPr>
-        <p:spPr/>
-        <p:txBody>
-          <a:bodyPr rtlCol="0"/>
-          <a:lstStyle/>
-          <a:p>
-            <a:r>
-              <a:rPr lang="hu-HU" dirty="0" err="1"/>
-              <a:t>Eating</a:t>
-            </a:r>
-            <a:r>
-              <a:rPr lang="hu-HU" dirty="0"/>
-              <a:t> out</a:t>
-            </a:r>
-          </a:p>
-        </p:txBody>
-      </p:sp>
-      <p:sp>
-        <p:nvSpPr>
-          <p:cNvPr id="3" name="Alcím 2"/>
-          <p:cNvSpPr>
-            <a:spLocks noGrp="1"/>
-          </p:cNvSpPr>
-          <p:nvPr>
-            <p:ph type="subTitle" idx="1"/>
-          </p:nvPr>
-        </p:nvSpPr>
-        <p:spPr/>
-        <p:txBody>
-          <a:bodyPr rtlCol="0"/>
-          <a:lstStyle/>
-          <a:p>
-            <a:pPr rtl="0"/>
-            <a:endParaRPr lang="hu-HU"/>
-          </a:p>
-        </p:txBody>
-      </p:sp>
-    </p:spTree>
-    <p:extLst>
-      <p:ext uri="{BB962C8B-B14F-4D97-AF65-F5344CB8AC3E}">
-        <p14:creationId xmlns:p14="http://schemas.microsoft.com/office/powerpoint/2010/main" val="3601082625"/>
-      </p:ext>
-    </p:extLst>
-  </p:cSld>
-  <p:clrMapOvr>
-    <a:masterClrMapping/>
-  </p:clrMapOvr>
-  <p:transition spd="slow">
-    <p:wipe/>
-  </p:transition>
-</p:sld>
-</file>
-
-<file path=ppt/slides/slide2.xml><?xml version="1.0" encoding="utf-8"?>
 <p:sld xmlns:a="http://schemas.openxmlformats.org/drawingml/2006/main" xmlns:r="http://schemas.openxmlformats.org/officeDocument/2006/relationships" xmlns:p="http://schemas.openxmlformats.org/presentationml/2006/main">
   <p:cSld>
     <p:spTree>
@@ -5705,7 +5540,7 @@
 </p:sld>
 </file>
 
-<file path=ppt/slides/slide3.xml><?xml version="1.0" encoding="utf-8"?>
+<file path=ppt/slides/slide2.xml><?xml version="1.0" encoding="utf-8"?>
 <p:sld xmlns:a="http://schemas.openxmlformats.org/drawingml/2006/main" xmlns:r="http://schemas.openxmlformats.org/officeDocument/2006/relationships" xmlns:p="http://schemas.openxmlformats.org/presentationml/2006/main">
   <p:cSld>
     <p:spTree>
@@ -6951,7 +6786,7 @@
 </p:sld>
 </file>
 
-<file path=ppt/slides/slide4.xml><?xml version="1.0" encoding="utf-8"?>
+<file path=ppt/slides/slide3.xml><?xml version="1.0" encoding="utf-8"?>
 <p:sld xmlns:a="http://schemas.openxmlformats.org/drawingml/2006/main" xmlns:r="http://schemas.openxmlformats.org/officeDocument/2006/relationships" xmlns:p="http://schemas.openxmlformats.org/presentationml/2006/main">
   <p:cSld>
     <p:spTree>
@@ -8070,7 +7905,7 @@
 </p:sld>
 </file>
 
-<file path=ppt/slides/slide5.xml><?xml version="1.0" encoding="utf-8"?>
+<file path=ppt/slides/slide4.xml><?xml version="1.0" encoding="utf-8"?>
 <p:sld xmlns:a="http://schemas.openxmlformats.org/drawingml/2006/main" xmlns:r="http://schemas.openxmlformats.org/officeDocument/2006/relationships" xmlns:p="http://schemas.openxmlformats.org/presentationml/2006/main">
   <p:cSld>
     <p:spTree>
@@ -9496,7 +9331,7 @@
 </p:sld>
 </file>
 
-<file path=ppt/slides/slide6.xml><?xml version="1.0" encoding="utf-8"?>
+<file path=ppt/slides/slide5.xml><?xml version="1.0" encoding="utf-8"?>
 <p:sld xmlns:a="http://schemas.openxmlformats.org/drawingml/2006/main" xmlns:r="http://schemas.openxmlformats.org/officeDocument/2006/relationships" xmlns:p="http://schemas.openxmlformats.org/presentationml/2006/main">
   <p:cSld>
     <p:spTree>
@@ -10875,189 +10710,6 @@
 </p:sld>
 </file>
 
-<file path=ppt/slides/slide7.xml><?xml version="1.0" encoding="utf-8"?>
-<p:sld xmlns:a="http://schemas.openxmlformats.org/drawingml/2006/main" xmlns:r="http://schemas.openxmlformats.org/officeDocument/2006/relationships" xmlns:p="http://schemas.openxmlformats.org/presentationml/2006/main">
-  <p:cSld>
-    <p:spTree>
-      <p:nvGrpSpPr>
-        <p:cNvPr id="1" name=""/>
-        <p:cNvGrpSpPr/>
-        <p:nvPr/>
-      </p:nvGrpSpPr>
-      <p:grpSpPr>
-        <a:xfrm>
-          <a:off x="0" y="0"/>
-          <a:ext cx="0" cy="0"/>
-          <a:chOff x="0" y="0"/>
-          <a:chExt cx="0" cy="0"/>
-        </a:xfrm>
-      </p:grpSpPr>
-      <p:sp>
-        <p:nvSpPr>
-          <p:cNvPr id="2" name="Cím 1">
-            <a:extLst>
-              <a:ext uri="{FF2B5EF4-FFF2-40B4-BE49-F238E27FC236}">
-                <a16:creationId xmlns:a16="http://schemas.microsoft.com/office/drawing/2014/main" id="{0E12BB28-7F32-B64B-B264-D1C0963FE024}"/>
-              </a:ext>
-            </a:extLst>
-          </p:cNvPr>
-          <p:cNvSpPr>
-            <a:spLocks noGrp="1"/>
-          </p:cNvSpPr>
-          <p:nvPr>
-            <p:ph type="ctrTitle"/>
-          </p:nvPr>
-        </p:nvSpPr>
-        <p:spPr/>
-        <p:txBody>
-          <a:bodyPr/>
-          <a:lstStyle/>
-          <a:p>
-            <a:r>
-              <a:rPr lang="hu-HU" dirty="0" err="1">
-                <a:ea typeface="+mj-lt"/>
-                <a:cs typeface="+mj-lt"/>
-              </a:rPr>
-              <a:t>Thank</a:t>
-            </a:r>
-            <a:r>
-              <a:rPr lang="hu-HU" dirty="0">
-                <a:ea typeface="+mj-lt"/>
-                <a:cs typeface="+mj-lt"/>
-              </a:rPr>
-              <a:t> </a:t>
-            </a:r>
-            <a:r>
-              <a:rPr lang="hu-HU" dirty="0" err="1">
-                <a:ea typeface="+mj-lt"/>
-                <a:cs typeface="+mj-lt"/>
-              </a:rPr>
-              <a:t>you</a:t>
-            </a:r>
-            <a:r>
-              <a:rPr lang="hu-HU" dirty="0">
-                <a:ea typeface="+mj-lt"/>
-                <a:cs typeface="+mj-lt"/>
-              </a:rPr>
-              <a:t> </a:t>
-            </a:r>
-            <a:r>
-              <a:rPr lang="hu-HU" dirty="0" err="1">
-                <a:ea typeface="+mj-lt"/>
-                <a:cs typeface="+mj-lt"/>
-              </a:rPr>
-              <a:t>for</a:t>
-            </a:r>
-            <a:r>
-              <a:rPr lang="hu-HU" dirty="0">
-                <a:ea typeface="+mj-lt"/>
-                <a:cs typeface="+mj-lt"/>
-              </a:rPr>
-              <a:t> </a:t>
-            </a:r>
-            <a:r>
-              <a:rPr lang="hu-HU" dirty="0" err="1">
-                <a:ea typeface="+mj-lt"/>
-                <a:cs typeface="+mj-lt"/>
-              </a:rPr>
-              <a:t>your</a:t>
-            </a:r>
-            <a:r>
-              <a:rPr lang="hu-HU" dirty="0">
-                <a:ea typeface="+mj-lt"/>
-                <a:cs typeface="+mj-lt"/>
-              </a:rPr>
-              <a:t> </a:t>
-            </a:r>
-            <a:r>
-              <a:rPr lang="hu-HU" dirty="0" err="1">
-                <a:ea typeface="+mj-lt"/>
-                <a:cs typeface="+mj-lt"/>
-              </a:rPr>
-              <a:t>attention</a:t>
-            </a:r>
-            <a:r>
-              <a:rPr lang="hu-HU" dirty="0">
-                <a:ea typeface="+mj-lt"/>
-                <a:cs typeface="+mj-lt"/>
-              </a:rPr>
-              <a:t>!</a:t>
-            </a:r>
-            <a:endParaRPr lang="hu-HU" dirty="0"/>
-          </a:p>
-        </p:txBody>
-      </p:sp>
-      <p:sp>
-        <p:nvSpPr>
-          <p:cNvPr id="3" name="Alcím 2">
-            <a:extLst>
-              <a:ext uri="{FF2B5EF4-FFF2-40B4-BE49-F238E27FC236}">
-                <a16:creationId xmlns:a16="http://schemas.microsoft.com/office/drawing/2014/main" id="{76215190-03F1-AC57-928D-EF96851A0E56}"/>
-              </a:ext>
-            </a:extLst>
-          </p:cNvPr>
-          <p:cNvSpPr>
-            <a:spLocks noGrp="1"/>
-          </p:cNvSpPr>
-          <p:nvPr>
-            <p:ph type="subTitle" idx="1"/>
-          </p:nvPr>
-        </p:nvSpPr>
-        <p:spPr/>
-        <p:txBody>
-          <a:bodyPr vert="horz" lIns="91440" tIns="45720" rIns="91440" bIns="45720" rtlCol="0" anchor="t">
-            <a:normAutofit/>
-          </a:bodyPr>
-          <a:lstStyle/>
-          <a:p>
-            <a:r>
-              <a:rPr lang="hu-HU" dirty="0" err="1">
-                <a:ea typeface="+mn-lt"/>
-                <a:cs typeface="+mn-lt"/>
-              </a:rPr>
-              <a:t>Made</a:t>
-            </a:r>
-            <a:r>
-              <a:rPr lang="hu-HU" dirty="0">
-                <a:ea typeface="+mn-lt"/>
-                <a:cs typeface="+mn-lt"/>
-              </a:rPr>
-              <a:t> </a:t>
-            </a:r>
-            <a:r>
-              <a:rPr lang="hu-HU" dirty="0" err="1">
-                <a:ea typeface="+mn-lt"/>
-                <a:cs typeface="+mn-lt"/>
-              </a:rPr>
-              <a:t>by</a:t>
-            </a:r>
-            <a:r>
-              <a:rPr lang="hu-HU" dirty="0">
-                <a:ea typeface="+mn-lt"/>
-                <a:cs typeface="+mn-lt"/>
-              </a:rPr>
-              <a:t>: Piros Zsolt, Szabó Roland, Molnár Barnabás</a:t>
-            </a:r>
-            <a:endParaRPr lang="hu-HU" dirty="0"/>
-          </a:p>
-        </p:txBody>
-      </p:sp>
-    </p:spTree>
-    <p:extLst>
-      <p:ext uri="{BB962C8B-B14F-4D97-AF65-F5344CB8AC3E}">
-        <p14:creationId xmlns:p14="http://schemas.microsoft.com/office/powerpoint/2010/main" val="3244330528"/>
-      </p:ext>
-    </p:extLst>
-  </p:cSld>
-  <p:clrMapOvr>
-    <a:masterClrMapping/>
-  </p:clrMapOvr>
-  <p:transition spd="slow">
-    <p:wipe/>
-  </p:transition>
-</p:sld>
-</file>
-
 <file path=ppt/theme/theme1.xml><?xml version="1.0" encoding="utf-8"?>
 <a:theme xmlns:a="http://schemas.openxmlformats.org/drawingml/2006/main" name="Körülvágás">
   <a:themeElements>

--- a/Angol/Eatingout_MB_PZS_SZR.pptx
+++ b/Angol/Eatingout_MB_PZS_SZR.pptx
@@ -228,7 +228,7 @@
           <a:p>
             <a:fld id="{4899B193-0C51-4BE5-8F71-FFF6FE9C94E0}" type="datetime1">
               <a:rPr lang="hu-HU" smtClean="0"/>
-              <a:t>2024. 04. 09.</a:t>
+              <a:t>2024. 05. 01.</a:t>
             </a:fld>
             <a:endParaRPr lang="hu-HU" dirty="0"/>
           </a:p>
@@ -406,7 +406,7 @@
             <a:fld id="{39B2CC17-50A4-419C-8568-440448B03130}" type="datetime1">
               <a:rPr lang="hu-HU" smtClean="0"/>
               <a:pPr/>
-              <a:t>2024. 04. 09.</a:t>
+              <a:t>2024. 05. 01.</a:t>
             </a:fld>
             <a:endParaRPr lang="hu-HU" dirty="0"/>
           </a:p>
@@ -843,7 +843,7 @@
             <a:pPr rtl="0"/>
             <a:fld id="{9C3A47C7-4D5D-4BB9-88E9-76FB11B1B185}" type="datetime1">
               <a:rPr lang="hu-HU" noProof="0" smtClean="0"/>
-              <a:t>2024. 04. 09.</a:t>
+              <a:t>2024. 05. 01.</a:t>
             </a:fld>
             <a:endParaRPr lang="hu-HU" noProof="0"/>
           </a:p>
@@ -1171,7 +1171,7 @@
             <a:pPr rtl="0"/>
             <a:fld id="{73448CDA-12B7-4A5C-97EC-D49500FB8D3C}" type="datetime1">
               <a:rPr lang="hu-HU" noProof="0" smtClean="0"/>
-              <a:t>2024. 04. 09.</a:t>
+              <a:t>2024. 05. 01.</a:t>
             </a:fld>
             <a:endParaRPr lang="hu-HU" noProof="0"/>
           </a:p>
@@ -1348,7 +1348,7 @@
             <a:pPr rtl="0"/>
             <a:fld id="{FA4522D8-6E2A-4F46-90CD-810560157381}" type="datetime1">
               <a:rPr lang="hu-HU" noProof="0" smtClean="0"/>
-              <a:t>2024. 04. 09.</a:t>
+              <a:t>2024. 05. 01.</a:t>
             </a:fld>
             <a:endParaRPr lang="hu-HU" noProof="0"/>
           </a:p>
@@ -1515,7 +1515,7 @@
             <a:pPr rtl="0"/>
             <a:fld id="{B8434A3F-C0EF-46C7-AD2A-26E9BF8F0659}" type="datetime1">
               <a:rPr lang="hu-HU" noProof="0" smtClean="0"/>
-              <a:t>2024. 04. 09.</a:t>
+              <a:t>2024. 05. 01.</a:t>
             </a:fld>
             <a:endParaRPr lang="hu-HU" noProof="0"/>
           </a:p>
@@ -1790,7 +1790,7 @@
             <a:pPr rtl="0"/>
             <a:fld id="{7753DE86-0617-421C-BF87-E3DEEBE86CCE}" type="datetime1">
               <a:rPr lang="hu-HU" noProof="0" smtClean="0"/>
-              <a:t>2024. 04. 09.</a:t>
+              <a:t>2024. 05. 01.</a:t>
             </a:fld>
             <a:endParaRPr lang="hu-HU" noProof="0"/>
           </a:p>
@@ -2181,7 +2181,7 @@
             <a:pPr rtl="0"/>
             <a:fld id="{44CF1AB2-012B-41A4-9D32-B1351ADB5355}" type="datetime1">
               <a:rPr lang="hu-HU" noProof="0" smtClean="0"/>
-              <a:t>2024. 04. 09.</a:t>
+              <a:t>2024. 05. 01.</a:t>
             </a:fld>
             <a:endParaRPr lang="hu-HU" noProof="0"/>
           </a:p>
@@ -2654,7 +2654,7 @@
             <a:pPr rtl="0"/>
             <a:fld id="{3C452249-8F22-4B35-BE34-A76549D30F4A}" type="datetime1">
               <a:rPr lang="hu-HU" noProof="0" smtClean="0"/>
-              <a:t>2024. 04. 09.</a:t>
+              <a:t>2024. 05. 01.</a:t>
             </a:fld>
             <a:endParaRPr lang="hu-HU" noProof="0"/>
           </a:p>
@@ -2770,7 +2770,7 @@
             <a:pPr rtl="0"/>
             <a:fld id="{65340C06-E1FD-4928-8179-FFC4E23F64C0}" type="datetime1">
               <a:rPr lang="hu-HU" noProof="0" smtClean="0"/>
-              <a:t>2024. 04. 09.</a:t>
+              <a:t>2024. 05. 01.</a:t>
             </a:fld>
             <a:endParaRPr lang="hu-HU" noProof="0"/>
           </a:p>
@@ -2863,7 +2863,7 @@
             <a:pPr rtl="0"/>
             <a:fld id="{85F1383B-29D1-4E3D-82D5-422A2360A287}" type="datetime1">
               <a:rPr lang="hu-HU" noProof="0" smtClean="0"/>
-              <a:t>2024. 04. 09.</a:t>
+              <a:t>2024. 05. 01.</a:t>
             </a:fld>
             <a:endParaRPr lang="hu-HU" noProof="0"/>
           </a:p>
@@ -3206,7 +3206,7 @@
             <a:pPr rtl="0"/>
             <a:fld id="{ABAADDF6-2C1D-4670-B189-D8FA051F509F}" type="datetime1">
               <a:rPr lang="hu-HU" noProof="0" smtClean="0"/>
-              <a:t>2024. 04. 09.</a:t>
+              <a:t>2024. 05. 01.</a:t>
             </a:fld>
             <a:endParaRPr lang="hu-HU" noProof="0"/>
           </a:p>
@@ -3593,7 +3593,7 @@
             <a:pPr rtl="0"/>
             <a:fld id="{E4F140AF-A9CA-4E5E-A6D4-BFB8883DEF54}" type="datetime1">
               <a:rPr lang="hu-HU" noProof="0" smtClean="0"/>
-              <a:t>2024. 04. 09.</a:t>
+              <a:t>2024. 05. 01.</a:t>
             </a:fld>
             <a:endParaRPr lang="hu-HU" noProof="0"/>
           </a:p>
@@ -3869,7 +3869,7 @@
             <a:pPr rtl="0"/>
             <a:fld id="{C3905ACB-ED0C-47FD-BDF4-A5046D93C7E9}" type="datetime1">
               <a:rPr lang="hu-HU" noProof="0" smtClean="0"/>
-              <a:t>2024. 04. 09.</a:t>
+              <a:t>2024. 05. 01.</a:t>
             </a:fld>
             <a:endParaRPr lang="hu-HU" noProof="0"/>
           </a:p>
@@ -6107,21 +6107,21 @@
                 <a:ea typeface="+mn-lt"/>
                 <a:cs typeface="+mn-lt"/>
               </a:rPr>
-              <a:t>: </a:t>
-            </a:r>
-            <a:r>
-              <a:rPr lang="hu-HU" sz="1800" dirty="0" err="1">
-                <a:ea typeface="+mn-lt"/>
-                <a:cs typeface="+mn-lt"/>
-              </a:rPr>
-              <a:t>startres</a:t>
+              <a:t>: start</a:t>
+            </a:r>
+            <a:r>
+              <a:rPr lang="en-GB" sz="1800" dirty="0">
+                <a:ea typeface="+mn-lt"/>
+                <a:cs typeface="+mn-lt"/>
+              </a:rPr>
+              <a:t>er</a:t>
             </a:r>
             <a:r>
               <a:rPr lang="hu-HU" sz="1800" dirty="0">
                 <a:ea typeface="+mn-lt"/>
                 <a:cs typeface="+mn-lt"/>
               </a:rPr>
-              <a:t>, </a:t>
+              <a:t>s, </a:t>
             </a:r>
             <a:r>
               <a:rPr lang="hu-HU" sz="1800" dirty="0" err="1">

--- a/Angol/Eatingout_MB_PZS_SZR.pptx
+++ b/Angol/Eatingout_MB_PZS_SZR.pptx
@@ -228,7 +228,7 @@
           <a:p>
             <a:fld id="{4899B193-0C51-4BE5-8F71-FFF6FE9C94E0}" type="datetime1">
               <a:rPr lang="hu-HU" smtClean="0"/>
-              <a:t>2024. 05. 01.</a:t>
+              <a:t>2024. 06. 13.</a:t>
             </a:fld>
             <a:endParaRPr lang="hu-HU" dirty="0"/>
           </a:p>
@@ -406,7 +406,7 @@
             <a:fld id="{39B2CC17-50A4-419C-8568-440448B03130}" type="datetime1">
               <a:rPr lang="hu-HU" smtClean="0"/>
               <a:pPr/>
-              <a:t>2024. 05. 01.</a:t>
+              <a:t>2024. 06. 13.</a:t>
             </a:fld>
             <a:endParaRPr lang="hu-HU" dirty="0"/>
           </a:p>
@@ -843,7 +843,7 @@
             <a:pPr rtl="0"/>
             <a:fld id="{9C3A47C7-4D5D-4BB9-88E9-76FB11B1B185}" type="datetime1">
               <a:rPr lang="hu-HU" noProof="0" smtClean="0"/>
-              <a:t>2024. 05. 01.</a:t>
+              <a:t>2024. 06. 13.</a:t>
             </a:fld>
             <a:endParaRPr lang="hu-HU" noProof="0"/>
           </a:p>
@@ -1171,7 +1171,7 @@
             <a:pPr rtl="0"/>
             <a:fld id="{73448CDA-12B7-4A5C-97EC-D49500FB8D3C}" type="datetime1">
               <a:rPr lang="hu-HU" noProof="0" smtClean="0"/>
-              <a:t>2024. 05. 01.</a:t>
+              <a:t>2024. 06. 13.</a:t>
             </a:fld>
             <a:endParaRPr lang="hu-HU" noProof="0"/>
           </a:p>
@@ -1348,7 +1348,7 @@
             <a:pPr rtl="0"/>
             <a:fld id="{FA4522D8-6E2A-4F46-90CD-810560157381}" type="datetime1">
               <a:rPr lang="hu-HU" noProof="0" smtClean="0"/>
-              <a:t>2024. 05. 01.</a:t>
+              <a:t>2024. 06. 13.</a:t>
             </a:fld>
             <a:endParaRPr lang="hu-HU" noProof="0"/>
           </a:p>
@@ -1515,7 +1515,7 @@
             <a:pPr rtl="0"/>
             <a:fld id="{B8434A3F-C0EF-46C7-AD2A-26E9BF8F0659}" type="datetime1">
               <a:rPr lang="hu-HU" noProof="0" smtClean="0"/>
-              <a:t>2024. 05. 01.</a:t>
+              <a:t>2024. 06. 13.</a:t>
             </a:fld>
             <a:endParaRPr lang="hu-HU" noProof="0"/>
           </a:p>
@@ -1790,7 +1790,7 @@
             <a:pPr rtl="0"/>
             <a:fld id="{7753DE86-0617-421C-BF87-E3DEEBE86CCE}" type="datetime1">
               <a:rPr lang="hu-HU" noProof="0" smtClean="0"/>
-              <a:t>2024. 05. 01.</a:t>
+              <a:t>2024. 06. 13.</a:t>
             </a:fld>
             <a:endParaRPr lang="hu-HU" noProof="0"/>
           </a:p>
@@ -2181,7 +2181,7 @@
             <a:pPr rtl="0"/>
             <a:fld id="{44CF1AB2-012B-41A4-9D32-B1351ADB5355}" type="datetime1">
               <a:rPr lang="hu-HU" noProof="0" smtClean="0"/>
-              <a:t>2024. 05. 01.</a:t>
+              <a:t>2024. 06. 13.</a:t>
             </a:fld>
             <a:endParaRPr lang="hu-HU" noProof="0"/>
           </a:p>
@@ -2654,7 +2654,7 @@
             <a:pPr rtl="0"/>
             <a:fld id="{3C452249-8F22-4B35-BE34-A76549D30F4A}" type="datetime1">
               <a:rPr lang="hu-HU" noProof="0" smtClean="0"/>
-              <a:t>2024. 05. 01.</a:t>
+              <a:t>2024. 06. 13.</a:t>
             </a:fld>
             <a:endParaRPr lang="hu-HU" noProof="0"/>
           </a:p>
@@ -2770,7 +2770,7 @@
             <a:pPr rtl="0"/>
             <a:fld id="{65340C06-E1FD-4928-8179-FFC4E23F64C0}" type="datetime1">
               <a:rPr lang="hu-HU" noProof="0" smtClean="0"/>
-              <a:t>2024. 05. 01.</a:t>
+              <a:t>2024. 06. 13.</a:t>
             </a:fld>
             <a:endParaRPr lang="hu-HU" noProof="0"/>
           </a:p>
@@ -2863,7 +2863,7 @@
             <a:pPr rtl="0"/>
             <a:fld id="{85F1383B-29D1-4E3D-82D5-422A2360A287}" type="datetime1">
               <a:rPr lang="hu-HU" noProof="0" smtClean="0"/>
-              <a:t>2024. 05. 01.</a:t>
+              <a:t>2024. 06. 13.</a:t>
             </a:fld>
             <a:endParaRPr lang="hu-HU" noProof="0"/>
           </a:p>
@@ -3206,7 +3206,7 @@
             <a:pPr rtl="0"/>
             <a:fld id="{ABAADDF6-2C1D-4670-B189-D8FA051F509F}" type="datetime1">
               <a:rPr lang="hu-HU" noProof="0" smtClean="0"/>
-              <a:t>2024. 05. 01.</a:t>
+              <a:t>2024. 06. 13.</a:t>
             </a:fld>
             <a:endParaRPr lang="hu-HU" noProof="0"/>
           </a:p>
@@ -3593,7 +3593,7 @@
             <a:pPr rtl="0"/>
             <a:fld id="{E4F140AF-A9CA-4E5E-A6D4-BFB8883DEF54}" type="datetime1">
               <a:rPr lang="hu-HU" noProof="0" smtClean="0"/>
-              <a:t>2024. 05. 01.</a:t>
+              <a:t>2024. 06. 13.</a:t>
             </a:fld>
             <a:endParaRPr lang="hu-HU" noProof="0"/>
           </a:p>
@@ -3869,7 +3869,7 @@
             <a:pPr rtl="0"/>
             <a:fld id="{C3905ACB-ED0C-47FD-BDF4-A5046D93C7E9}" type="datetime1">
               <a:rPr lang="hu-HU" noProof="0" smtClean="0"/>
-              <a:t>2024. 05. 01.</a:t>
+              <a:t>2024. 06. 13.</a:t>
             </a:fld>
             <a:endParaRPr lang="hu-HU" noProof="0"/>
           </a:p>
@@ -4808,7 +4808,14 @@
                 <a:ea typeface="+mn-lt"/>
                 <a:cs typeface="+mn-lt"/>
               </a:rPr>
-              <a:t>, pizza, and </a:t>
+              <a:t>, pizza,</a:t>
+            </a:r>
+            <a:r>
+              <a:rPr lang="en-GB" sz="1800" dirty="0">
+                <a:ea typeface="+mn-lt"/>
+                <a:cs typeface="+mn-lt"/>
+              </a:rPr>
+              <a:t> </a:t>
             </a:r>
             <a:r>
               <a:rPr lang="hu-HU" sz="1800" dirty="0" err="1">
@@ -4832,11 +4839,18 @@
               <a:t>tortillas</a:t>
             </a:r>
             <a:r>
+              <a:rPr lang="en-GB" sz="1800" dirty="0">
+                <a:ea typeface="+mn-lt"/>
+                <a:cs typeface="+mn-lt"/>
+              </a:rPr>
+              <a:t> and</a:t>
+            </a:r>
+            <a:r>
               <a:rPr lang="hu-HU" sz="1800" dirty="0">
                 <a:ea typeface="+mn-lt"/>
                 <a:cs typeface="+mn-lt"/>
               </a:rPr>
-              <a:t>, </a:t>
+              <a:t> </a:t>
             </a:r>
             <a:r>
               <a:rPr lang="hu-HU" sz="1800" dirty="0" err="1">
@@ -5950,7 +5964,7 @@
                 <a:ea typeface="+mn-lt"/>
                 <a:cs typeface="+mn-lt"/>
               </a:rPr>
-              <a:t> The </a:t>
+              <a:t>The </a:t>
             </a:r>
             <a:r>
               <a:rPr lang="hu-HU" sz="1800" dirty="0" err="1">
@@ -7063,18 +7077,25 @@
           <a:p>
             <a:pPr marL="383540" indent="-383540"/>
             <a:r>
+              <a:rPr lang="hu-HU" dirty="0" err="1">
+                <a:ea typeface="+mn-lt"/>
+                <a:cs typeface="+mn-lt"/>
+              </a:rPr>
+              <a:t>They</a:t>
+            </a:r>
+            <a:r>
               <a:rPr lang="hu-HU" dirty="0">
                 <a:ea typeface="+mn-lt"/>
                 <a:cs typeface="+mn-lt"/>
               </a:rPr>
-              <a:t> </a:t>
-            </a:r>
-            <a:r>
-              <a:rPr lang="hu-HU" err="1">
-                <a:ea typeface="+mn-lt"/>
-                <a:cs typeface="+mn-lt"/>
-              </a:rPr>
-              <a:t>They</a:t>
+              <a:t> </a:t>
+            </a:r>
+            <a:r>
+              <a:rPr lang="hu-HU" dirty="0" err="1">
+                <a:ea typeface="+mn-lt"/>
+                <a:cs typeface="+mn-lt"/>
+              </a:rPr>
+              <a:t>often</a:t>
             </a:r>
             <a:r>
               <a:rPr lang="hu-HU" dirty="0">
@@ -7084,11 +7105,11 @@
               <a:t> </a:t>
             </a:r>
             <a:r>
-              <a:rPr lang="hu-HU" err="1">
-                <a:ea typeface="+mn-lt"/>
-                <a:cs typeface="+mn-lt"/>
-              </a:rPr>
-              <a:t>often</a:t>
+              <a:rPr lang="hu-HU" dirty="0" err="1">
+                <a:ea typeface="+mn-lt"/>
+                <a:cs typeface="+mn-lt"/>
+              </a:rPr>
+              <a:t>offer</a:t>
             </a:r>
             <a:r>
               <a:rPr lang="hu-HU" dirty="0">
@@ -7098,11 +7119,11 @@
               <a:t> </a:t>
             </a:r>
             <a:r>
-              <a:rPr lang="hu-HU" err="1">
-                <a:ea typeface="+mn-lt"/>
-                <a:cs typeface="+mn-lt"/>
-              </a:rPr>
-              <a:t>offer</a:t>
+              <a:rPr lang="hu-HU" dirty="0" err="1">
+                <a:ea typeface="+mn-lt"/>
+                <a:cs typeface="+mn-lt"/>
+              </a:rPr>
+              <a:t>combo</a:t>
             </a:r>
             <a:r>
               <a:rPr lang="hu-HU" dirty="0">
@@ -7112,49 +7133,35 @@
               <a:t> </a:t>
             </a:r>
             <a:r>
-              <a:rPr lang="hu-HU" err="1">
-                <a:ea typeface="+mn-lt"/>
-                <a:cs typeface="+mn-lt"/>
-              </a:rPr>
-              <a:t>combo</a:t>
+              <a:rPr lang="hu-HU" dirty="0" err="1">
+                <a:ea typeface="+mn-lt"/>
+                <a:cs typeface="+mn-lt"/>
+              </a:rPr>
+              <a:t>meals</a:t>
             </a:r>
             <a:r>
               <a:rPr lang="hu-HU" dirty="0">
                 <a:ea typeface="+mn-lt"/>
                 <a:cs typeface="+mn-lt"/>
               </a:rPr>
+              <a:t> and </a:t>
+            </a:r>
+            <a:r>
+              <a:rPr lang="hu-HU" dirty="0" err="1">
+                <a:ea typeface="+mn-lt"/>
+                <a:cs typeface="+mn-lt"/>
+              </a:rPr>
+              <a:t>discount</a:t>
+            </a:r>
+            <a:r>
+              <a:rPr lang="hu-HU" dirty="0">
+                <a:ea typeface="+mn-lt"/>
+                <a:cs typeface="+mn-lt"/>
+              </a:rPr>
               <a:t> </a:t>
             </a:r>
             <a:r>
-              <a:rPr lang="hu-HU" err="1">
-                <a:ea typeface="+mn-lt"/>
-                <a:cs typeface="+mn-lt"/>
-              </a:rPr>
-              <a:t>meals</a:t>
-            </a:r>
-            <a:r>
-              <a:rPr lang="hu-HU" dirty="0">
-                <a:ea typeface="+mn-lt"/>
-                <a:cs typeface="+mn-lt"/>
-              </a:rPr>
-              <a:t> and </a:t>
-            </a:r>
-            <a:r>
-              <a:rPr lang="hu-HU" err="1">
-                <a:ea typeface="+mn-lt"/>
-                <a:cs typeface="+mn-lt"/>
-              </a:rPr>
-              <a:t>discount</a:t>
-            </a:r>
-            <a:r>
-              <a:rPr lang="hu-HU" dirty="0">
-                <a:ea typeface="+mn-lt"/>
-                <a:cs typeface="+mn-lt"/>
-              </a:rPr>
-              <a:t> </a:t>
-            </a:r>
-            <a:r>
-              <a:rPr lang="hu-HU" err="1">
+              <a:rPr lang="hu-HU" dirty="0" err="1">
                 <a:ea typeface="+mn-lt"/>
                 <a:cs typeface="+mn-lt"/>
               </a:rPr>
